--- a/events/2025.11.Kobe/tpac-config.pptx
+++ b/events/2025.11.Kobe/tpac-config.pptx
@@ -4320,7 +4320,7 @@
         </p:blipFill>
         <p:spPr>
           <a:xfrm>
-            <a:off x="9774649" y="5759925"/>
+            <a:off x="9765990" y="5585256"/>
             <a:ext cx="1210103" cy="680683"/>
           </a:xfrm>
           <a:prstGeom prst="rect">
@@ -4356,7 +4356,7 @@
         </p:blipFill>
         <p:spPr>
           <a:xfrm>
-            <a:off x="10984752" y="5759925"/>
+            <a:off x="10976093" y="5585256"/>
             <a:ext cx="1210103" cy="680683"/>
           </a:xfrm>
           <a:prstGeom prst="rect">
@@ -4364,34 +4364,6 @@
           </a:prstGeom>
         </p:spPr>
       </p:pic>
-      <p:sp>
-        <p:nvSpPr>
-          <p:cNvPr id="4" name="Footer Placeholder 3">
-            <a:extLst>
-              <a:ext uri="{FF2B5EF4-FFF2-40B4-BE49-F238E27FC236}">
-                <a16:creationId xmlns:a16="http://schemas.microsoft.com/office/drawing/2014/main" id="{4A87F442-1D13-17C7-F146-D2B33B7AEF2B}"/>
-              </a:ext>
-            </a:extLst>
-          </p:cNvPr>
-          <p:cNvSpPr>
-            <a:spLocks noGrp="1"/>
-          </p:cNvSpPr>
-          <p:nvPr>
-            <p:ph type="ftr" sz="quarter" idx="11"/>
-          </p:nvPr>
-        </p:nvSpPr>
-        <p:spPr/>
-        <p:txBody>
-          <a:bodyPr/>
-          <a:lstStyle/>
-          <a:p>
-            <a:r>
-              <a:rPr lang="en-US" dirty="0"/>
-              <a:t>W3C TPAC2025 breakout - Web of Things Live Demonstration</a:t>
-            </a:r>
-          </a:p>
-        </p:txBody>
-      </p:sp>
       <p:pic>
         <p:nvPicPr>
           <p:cNvPr id="205" name="Picture 204">
@@ -4765,38 +4737,9 @@
           <a:p>
             <a:r>
               <a:rPr lang="en-US" sz="4000" b="1" dirty="0"/>
-              <a:t>TPAC2025 WoT Plugfest network configuration</a:t>
+              <a:t>TPAC2025 WoT plugfest network configuration</a:t>
             </a:r>
             <a:endParaRPr lang="en-JP" sz="4000" dirty="0"/>
-          </a:p>
-        </p:txBody>
-      </p:sp>
-      <p:sp>
-        <p:nvSpPr>
-          <p:cNvPr id="5" name="Slide Number Placeholder 4">
-            <a:extLst>
-              <a:ext uri="{FF2B5EF4-FFF2-40B4-BE49-F238E27FC236}">
-                <a16:creationId xmlns:a16="http://schemas.microsoft.com/office/drawing/2014/main" id="{CB0664F7-CF34-0D40-FBD9-B34B8C6D0350}"/>
-              </a:ext>
-            </a:extLst>
-          </p:cNvPr>
-          <p:cNvSpPr>
-            <a:spLocks noGrp="1"/>
-          </p:cNvSpPr>
-          <p:nvPr>
-            <p:ph type="sldNum" sz="quarter" idx="12"/>
-          </p:nvPr>
-        </p:nvSpPr>
-        <p:spPr/>
-        <p:txBody>
-          <a:bodyPr/>
-          <a:lstStyle/>
-          <a:p>
-            <a:fld id="{055BDE2E-7167-1944-9FEE-E44668D91CB6}" type="slidenum">
-              <a:rPr lang="en-US" smtClean="0"/>
-              <a:t>1</a:t>
-            </a:fld>
-            <a:endParaRPr lang="en-US" dirty="0"/>
           </a:p>
         </p:txBody>
       </p:sp>
@@ -5531,8 +5474,8 @@
         </p:nvSpPr>
         <p:spPr>
           <a:xfrm>
-            <a:off x="9920820" y="4983470"/>
-            <a:ext cx="2248895" cy="776512"/>
+            <a:off x="10072005" y="4835713"/>
+            <a:ext cx="1804805" cy="776512"/>
           </a:xfrm>
           <a:prstGeom prst="rect">
             <a:avLst/>
@@ -5595,9 +5538,9 @@
           <p:nvPr/>
         </p:nvCxnSpPr>
         <p:spPr>
-          <a:xfrm flipV="1">
-            <a:off x="11045268" y="4425387"/>
-            <a:ext cx="249891" cy="558083"/>
+          <a:xfrm flipH="1" flipV="1">
+            <a:off x="10953863" y="3731498"/>
+            <a:ext cx="20545" cy="1104215"/>
           </a:xfrm>
           <a:prstGeom prst="line">
             <a:avLst/>
@@ -6020,15 +5963,15 @@
           </p:cNvPr>
           <p:cNvCxnSpPr>
             <a:cxnSpLocks/>
-            <a:stCxn id="16" idx="1"/>
+            <a:stCxn id="53" idx="2"/>
             <a:endCxn id="42" idx="3"/>
           </p:cNvCxnSpPr>
           <p:nvPr/>
         </p:nvCxnSpPr>
         <p:spPr>
           <a:xfrm flipH="1">
-            <a:off x="9714253" y="2815002"/>
-            <a:ext cx="1157706" cy="2168468"/>
+            <a:off x="9714253" y="3731498"/>
+            <a:ext cx="1239610" cy="1251972"/>
           </a:xfrm>
           <a:prstGeom prst="line">
             <a:avLst/>
@@ -6063,7 +6006,7 @@
         </p:nvSpPr>
         <p:spPr>
           <a:xfrm>
-            <a:off x="10495205" y="3787503"/>
+            <a:off x="10153909" y="3093614"/>
             <a:ext cx="1599907" cy="637884"/>
           </a:xfrm>
           <a:prstGeom prst="rect">
@@ -6115,7 +6058,7 @@
         <p:spPr>
           <a:xfrm flipH="1" flipV="1">
             <a:off x="10871959" y="2815002"/>
-            <a:ext cx="423200" cy="972501"/>
+            <a:ext cx="81904" cy="278612"/>
           </a:xfrm>
           <a:prstGeom prst="line">
             <a:avLst/>
@@ -6388,8 +6331,8 @@
         </p:nvCxnSpPr>
         <p:spPr>
           <a:xfrm rot="16200000" flipV="1">
-            <a:off x="7792204" y="1730406"/>
-            <a:ext cx="1277673" cy="5228456"/>
+            <a:off x="7830652" y="1691957"/>
+            <a:ext cx="1129916" cy="5157596"/>
           </a:xfrm>
           <a:prstGeom prst="curvedConnector3">
             <a:avLst>
